--- a/pub/Management/20120111AgendaMinutes/AreaCoord_1_11_Ops_Quick.pptx
+++ b/pub/Management/20120111AgendaMinutes/AreaCoord_1_11_Ops_Quick.pptx
@@ -3118,11 +3118,7 @@
           <a:p>
             <a:r>
               <a:rPr lang="en-US" dirty="0" smtClean="0"/>
-              <a:t>1/11/</a:t>
-            </a:r>
-            <a:r>
-              <a:rPr lang="en-US" dirty="0" smtClean="0"/>
-              <a:t>2011</a:t>
+              <a:t>1/11/2012</a:t>
             </a:r>
             <a:endParaRPr lang="en-US" dirty="0"/>
           </a:p>
@@ -5028,13 +5024,7 @@
               <a:rPr lang="en-US" dirty="0" smtClean="0">
                 <a:latin typeface="Arial"/>
               </a:rPr>
-              <a:t> – Added as an evaluation item</a:t>
-            </a:r>
-            <a:r>
-              <a:rPr lang="en-US" smtClean="0">
-                <a:latin typeface="Arial"/>
-              </a:rPr>
-              <a:t>. </a:t>
+              <a:t> – Added as an evaluation item. </a:t>
             </a:r>
             <a:endParaRPr lang="en-US" dirty="0">
               <a:latin typeface="Arial"/>
